--- a/Slides/M5 - An Introduction to Docker.pptx
+++ b/Slides/M5 - An Introduction to Docker.pptx
@@ -6,10 +6,10 @@
     <p:sldMasterId id="2147483674" r:id="rId2"/>
   </p:sldMasterIdLst>
   <p:notesMasterIdLst>
-    <p:notesMasterId r:id="rId16"/>
+    <p:notesMasterId r:id="rId19"/>
   </p:notesMasterIdLst>
   <p:handoutMasterIdLst>
-    <p:handoutMasterId r:id="rId17"/>
+    <p:handoutMasterId r:id="rId20"/>
   </p:handoutMasterIdLst>
   <p:sldIdLst>
     <p:sldId id="426" r:id="rId3"/>
@@ -17,14 +17,17 @@
     <p:sldId id="624" r:id="rId5"/>
     <p:sldId id="625" r:id="rId6"/>
     <p:sldId id="623" r:id="rId7"/>
-    <p:sldId id="627" r:id="rId8"/>
-    <p:sldId id="626" r:id="rId9"/>
-    <p:sldId id="628" r:id="rId10"/>
-    <p:sldId id="629" r:id="rId11"/>
-    <p:sldId id="630" r:id="rId12"/>
-    <p:sldId id="631" r:id="rId13"/>
-    <p:sldId id="632" r:id="rId14"/>
-    <p:sldId id="633" r:id="rId15"/>
+    <p:sldId id="635" r:id="rId8"/>
+    <p:sldId id="627" r:id="rId9"/>
+    <p:sldId id="626" r:id="rId10"/>
+    <p:sldId id="628" r:id="rId11"/>
+    <p:sldId id="629" r:id="rId12"/>
+    <p:sldId id="630" r:id="rId13"/>
+    <p:sldId id="631" r:id="rId14"/>
+    <p:sldId id="632" r:id="rId15"/>
+    <p:sldId id="633" r:id="rId16"/>
+    <p:sldId id="634" r:id="rId17"/>
+    <p:sldId id="636" r:id="rId18"/>
   </p:sldIdLst>
   <p:sldSz cx="12192000" cy="6858000"/>
   <p:notesSz cx="9926638" cy="6858000"/>
@@ -224,7 +227,7 @@
           <a:p>
             <a:fld id="{817623F0-24A1-4017-BAC1-59B35B69DC24}" type="datetimeFigureOut">
               <a:rPr lang="en-GB" smtClean="0"/>
-              <a:t>16/10/2018</a:t>
+              <a:t>17/10/2018</a:t>
             </a:fld>
             <a:endParaRPr lang="en-GB"/>
           </a:p>
@@ -389,7 +392,7 @@
           <a:p>
             <a:fld id="{45C8BF1F-A622-4B26-8F26-F6526311D21D}" type="datetimeFigureOut">
               <a:rPr lang="en-GB" smtClean="0"/>
-              <a:t>16/10/2018</a:t>
+              <a:t>17/10/2018</a:t>
             </a:fld>
             <a:endParaRPr lang="en-GB" dirty="0"/>
           </a:p>
@@ -854,7 +857,7 @@
               <a:pPr defTabSz="926013">
                 <a:defRPr/>
               </a:pPr>
-              <a:t>10/16/2018</a:t>
+              <a:t>10/17/2018</a:t>
             </a:fld>
             <a:endParaRPr lang="en-US" sz="1800" kern="0" dirty="0">
               <a:solidFill>
@@ -934,60 +937,10 @@
           <a:chExt cx="0" cy="0"/>
         </a:xfrm>
       </p:grpSpPr>
-      <p:sp>
-        <p:nvSpPr>
-          <p:cNvPr id="2" name="Notes Placeholder 1">
-            <a:extLst>
-              <a:ext uri="{FF2B5EF4-FFF2-40B4-BE49-F238E27FC236}">
-                <a16:creationId xmlns:a16="http://schemas.microsoft.com/office/drawing/2014/main" id="{98446574-00FB-4DCE-BFDE-782D6C7BD857}"/>
-              </a:ext>
-            </a:extLst>
-          </p:cNvPr>
-          <p:cNvSpPr>
-            <a:spLocks noGrp="1"/>
-          </p:cNvSpPr>
-          <p:nvPr>
-            <p:ph type="body" idx="1"/>
-          </p:nvPr>
-        </p:nvSpPr>
-        <p:spPr/>
-        <p:txBody>
-          <a:bodyPr/>
-          <a:lstStyle/>
-          <a:p>
-            <a:r>
-              <a:rPr lang="en-GB" dirty="0"/>
-              <a:t>Docker run hello-world</a:t>
-            </a:r>
-          </a:p>
-          <a:p>
-            <a:r>
-              <a:rPr lang="en-GB" dirty="0"/>
-              <a:t>docker run -d --name web -p 8080:8080 </a:t>
-            </a:r>
-            <a:r>
-              <a:rPr lang="en-GB" dirty="0" err="1"/>
-              <a:t>nigelpoulton</a:t>
-            </a:r>
-            <a:r>
-              <a:rPr lang="en-GB" dirty="0"/>
-              <a:t>/</a:t>
-            </a:r>
-            <a:r>
-              <a:rPr lang="en-GB" dirty="0" err="1"/>
-              <a:t>pluralsight</a:t>
-            </a:r>
-            <a:r>
-              <a:rPr lang="en-GB" dirty="0"/>
-              <a:t>-docker-ci</a:t>
-            </a:r>
-          </a:p>
-        </p:txBody>
-      </p:sp>
     </p:spTree>
     <p:extLst>
       <p:ext uri="{BB962C8B-B14F-4D97-AF65-F5344CB8AC3E}">
-        <p14:creationId xmlns:p14="http://schemas.microsoft.com/office/powerpoint/2010/main" val="3475332782"/>
+        <p14:creationId xmlns:p14="http://schemas.microsoft.com/office/powerpoint/2010/main" val="83452600"/>
       </p:ext>
     </p:extLst>
   </p:cSld>
@@ -1037,6 +990,12 @@
           <a:p>
             <a:r>
               <a:rPr lang="en-GB" dirty="0"/>
+              <a:t>Docker run hello-world</a:t>
+            </a:r>
+          </a:p>
+          <a:p>
+            <a:r>
+              <a:rPr lang="en-GB" dirty="0"/>
               <a:t>docker run -d --name web -p 8080:8080 </a:t>
             </a:r>
             <a:r>
@@ -1061,7 +1020,7 @@
     </p:spTree>
     <p:extLst>
       <p:ext uri="{BB962C8B-B14F-4D97-AF65-F5344CB8AC3E}">
-        <p14:creationId xmlns:p14="http://schemas.microsoft.com/office/powerpoint/2010/main" val="2976328524"/>
+        <p14:creationId xmlns:p14="http://schemas.microsoft.com/office/powerpoint/2010/main" val="3475332782"/>
       </p:ext>
     </p:extLst>
   </p:cSld>
@@ -1135,7 +1094,7 @@
     </p:spTree>
     <p:extLst>
       <p:ext uri="{BB962C8B-B14F-4D97-AF65-F5344CB8AC3E}">
-        <p14:creationId xmlns:p14="http://schemas.microsoft.com/office/powerpoint/2010/main" val="3146064595"/>
+        <p14:creationId xmlns:p14="http://schemas.microsoft.com/office/powerpoint/2010/main" val="2976328524"/>
       </p:ext>
     </p:extLst>
   </p:cSld>
@@ -1185,6 +1144,80 @@
           <a:p>
             <a:r>
               <a:rPr lang="en-GB" dirty="0"/>
+              <a:t>docker run -d --name web -p 8080:8080 </a:t>
+            </a:r>
+            <a:r>
+              <a:rPr lang="en-GB" dirty="0" err="1"/>
+              <a:t>nigelpoulton</a:t>
+            </a:r>
+            <a:r>
+              <a:rPr lang="en-GB" dirty="0"/>
+              <a:t>/</a:t>
+            </a:r>
+            <a:r>
+              <a:rPr lang="en-GB" dirty="0" err="1"/>
+              <a:t>pluralsight</a:t>
+            </a:r>
+            <a:r>
+              <a:rPr lang="en-GB" dirty="0"/>
+              <a:t>-docker-ci</a:t>
+            </a:r>
+          </a:p>
+        </p:txBody>
+      </p:sp>
+    </p:spTree>
+    <p:extLst>
+      <p:ext uri="{BB962C8B-B14F-4D97-AF65-F5344CB8AC3E}">
+        <p14:creationId xmlns:p14="http://schemas.microsoft.com/office/powerpoint/2010/main" val="3146064595"/>
+      </p:ext>
+    </p:extLst>
+  </p:cSld>
+  <p:clrMapOvr>
+    <a:masterClrMapping/>
+  </p:clrMapOvr>
+</p:notes>
+</file>
+
+<file path=ppt/notesSlides/notesSlide14.xml><?xml version="1.0" encoding="utf-8"?>
+<p:notes xmlns:a="http://schemas.openxmlformats.org/drawingml/2006/main" xmlns:r="http://schemas.openxmlformats.org/officeDocument/2006/relationships" xmlns:p="http://schemas.openxmlformats.org/presentationml/2006/main">
+  <p:cSld>
+    <p:spTree>
+      <p:nvGrpSpPr>
+        <p:cNvPr id="1" name=""/>
+        <p:cNvGrpSpPr/>
+        <p:nvPr/>
+      </p:nvGrpSpPr>
+      <p:grpSpPr>
+        <a:xfrm>
+          <a:off x="0" y="0"/>
+          <a:ext cx="0" cy="0"/>
+          <a:chOff x="0" y="0"/>
+          <a:chExt cx="0" cy="0"/>
+        </a:xfrm>
+      </p:grpSpPr>
+      <p:sp>
+        <p:nvSpPr>
+          <p:cNvPr id="2" name="Notes Placeholder 1">
+            <a:extLst>
+              <a:ext uri="{FF2B5EF4-FFF2-40B4-BE49-F238E27FC236}">
+                <a16:creationId xmlns:a16="http://schemas.microsoft.com/office/drawing/2014/main" id="{98446574-00FB-4DCE-BFDE-782D6C7BD857}"/>
+              </a:ext>
+            </a:extLst>
+          </p:cNvPr>
+          <p:cNvSpPr>
+            <a:spLocks noGrp="1"/>
+          </p:cNvSpPr>
+          <p:nvPr>
+            <p:ph type="body" idx="1"/>
+          </p:nvPr>
+        </p:nvSpPr>
+        <p:spPr/>
+        <p:txBody>
+          <a:bodyPr/>
+          <a:lstStyle/>
+          <a:p>
+            <a:r>
+              <a:rPr lang="en-GB" dirty="0"/>
               <a:t>Docker run hello-world</a:t>
             </a:r>
           </a:p>
@@ -1216,6 +1249,66 @@
     <p:extLst>
       <p:ext uri="{BB962C8B-B14F-4D97-AF65-F5344CB8AC3E}">
         <p14:creationId xmlns:p14="http://schemas.microsoft.com/office/powerpoint/2010/main" val="87091167"/>
+      </p:ext>
+    </p:extLst>
+  </p:cSld>
+  <p:clrMapOvr>
+    <a:masterClrMapping/>
+  </p:clrMapOvr>
+</p:notes>
+</file>
+
+<file path=ppt/notesSlides/notesSlide15.xml><?xml version="1.0" encoding="utf-8"?>
+<p:notes xmlns:a="http://schemas.openxmlformats.org/drawingml/2006/main" xmlns:r="http://schemas.openxmlformats.org/officeDocument/2006/relationships" xmlns:p="http://schemas.openxmlformats.org/presentationml/2006/main">
+  <p:cSld>
+    <p:spTree>
+      <p:nvGrpSpPr>
+        <p:cNvPr id="1" name=""/>
+        <p:cNvGrpSpPr/>
+        <p:nvPr/>
+      </p:nvGrpSpPr>
+      <p:grpSpPr>
+        <a:xfrm>
+          <a:off x="0" y="0"/>
+          <a:ext cx="0" cy="0"/>
+          <a:chOff x="0" y="0"/>
+          <a:chExt cx="0" cy="0"/>
+        </a:xfrm>
+      </p:grpSpPr>
+    </p:spTree>
+    <p:extLst>
+      <p:ext uri="{BB962C8B-B14F-4D97-AF65-F5344CB8AC3E}">
+        <p14:creationId xmlns:p14="http://schemas.microsoft.com/office/powerpoint/2010/main" val="3959034501"/>
+      </p:ext>
+    </p:extLst>
+  </p:cSld>
+  <p:clrMapOvr>
+    <a:masterClrMapping/>
+  </p:clrMapOvr>
+</p:notes>
+</file>
+
+<file path=ppt/notesSlides/notesSlide16.xml><?xml version="1.0" encoding="utf-8"?>
+<p:notes xmlns:a="http://schemas.openxmlformats.org/drawingml/2006/main" xmlns:r="http://schemas.openxmlformats.org/officeDocument/2006/relationships" xmlns:p="http://schemas.openxmlformats.org/presentationml/2006/main">
+  <p:cSld>
+    <p:spTree>
+      <p:nvGrpSpPr>
+        <p:cNvPr id="1" name=""/>
+        <p:cNvGrpSpPr/>
+        <p:nvPr/>
+      </p:nvGrpSpPr>
+      <p:grpSpPr>
+        <a:xfrm>
+          <a:off x="0" y="0"/>
+          <a:ext cx="0" cy="0"/>
+          <a:chOff x="0" y="0"/>
+          <a:chExt cx="0" cy="0"/>
+        </a:xfrm>
+      </p:grpSpPr>
+    </p:spTree>
+    <p:extLst>
+      <p:ext uri="{BB962C8B-B14F-4D97-AF65-F5344CB8AC3E}">
+        <p14:creationId xmlns:p14="http://schemas.microsoft.com/office/powerpoint/2010/main" val="4189053252"/>
       </p:ext>
     </p:extLst>
   </p:cSld>
@@ -1570,6 +1663,36 @@
           <a:chExt cx="0" cy="0"/>
         </a:xfrm>
       </p:grpSpPr>
+    </p:spTree>
+    <p:extLst>
+      <p:ext uri="{BB962C8B-B14F-4D97-AF65-F5344CB8AC3E}">
+        <p14:creationId xmlns:p14="http://schemas.microsoft.com/office/powerpoint/2010/main" val="95486018"/>
+      </p:ext>
+    </p:extLst>
+  </p:cSld>
+  <p:clrMapOvr>
+    <a:masterClrMapping/>
+  </p:clrMapOvr>
+</p:notes>
+</file>
+
+<file path=ppt/notesSlides/notesSlide7.xml><?xml version="1.0" encoding="utf-8"?>
+<p:notes xmlns:a="http://schemas.openxmlformats.org/drawingml/2006/main" xmlns:r="http://schemas.openxmlformats.org/officeDocument/2006/relationships" xmlns:p="http://schemas.openxmlformats.org/presentationml/2006/main">
+  <p:cSld>
+    <p:spTree>
+      <p:nvGrpSpPr>
+        <p:cNvPr id="1" name=""/>
+        <p:cNvGrpSpPr/>
+        <p:nvPr/>
+      </p:nvGrpSpPr>
+      <p:grpSpPr>
+        <a:xfrm>
+          <a:off x="0" y="0"/>
+          <a:ext cx="0" cy="0"/>
+          <a:chOff x="0" y="0"/>
+          <a:chExt cx="0" cy="0"/>
+        </a:xfrm>
+      </p:grpSpPr>
       <p:sp>
         <p:nvSpPr>
           <p:cNvPr id="2" name="Notes Placeholder 1">
@@ -1627,7 +1750,7 @@
 </p:notes>
 </file>
 
-<file path=ppt/notesSlides/notesSlide7.xml><?xml version="1.0" encoding="utf-8"?>
+<file path=ppt/notesSlides/notesSlide8.xml><?xml version="1.0" encoding="utf-8"?>
 <p:notes xmlns:a="http://schemas.openxmlformats.org/drawingml/2006/main" xmlns:r="http://schemas.openxmlformats.org/officeDocument/2006/relationships" xmlns:p="http://schemas.openxmlformats.org/presentationml/2006/main">
   <p:cSld>
     <p:spTree>
@@ -1685,7 +1808,7 @@
 </p:notes>
 </file>
 
-<file path=ppt/notesSlides/notesSlide8.xml><?xml version="1.0" encoding="utf-8"?>
+<file path=ppt/notesSlides/notesSlide9.xml><?xml version="1.0" encoding="utf-8"?>
 <p:notes xmlns:a="http://schemas.openxmlformats.org/drawingml/2006/main" xmlns:r="http://schemas.openxmlformats.org/officeDocument/2006/relationships" xmlns:p="http://schemas.openxmlformats.org/presentationml/2006/main">
   <p:cSld>
     <p:spTree>
@@ -1706,36 +1829,6 @@
     <p:extLst>
       <p:ext uri="{BB962C8B-B14F-4D97-AF65-F5344CB8AC3E}">
         <p14:creationId xmlns:p14="http://schemas.microsoft.com/office/powerpoint/2010/main" val="713790777"/>
-      </p:ext>
-    </p:extLst>
-  </p:cSld>
-  <p:clrMapOvr>
-    <a:masterClrMapping/>
-  </p:clrMapOvr>
-</p:notes>
-</file>
-
-<file path=ppt/notesSlides/notesSlide9.xml><?xml version="1.0" encoding="utf-8"?>
-<p:notes xmlns:a="http://schemas.openxmlformats.org/drawingml/2006/main" xmlns:r="http://schemas.openxmlformats.org/officeDocument/2006/relationships" xmlns:p="http://schemas.openxmlformats.org/presentationml/2006/main">
-  <p:cSld>
-    <p:spTree>
-      <p:nvGrpSpPr>
-        <p:cNvPr id="1" name=""/>
-        <p:cNvGrpSpPr/>
-        <p:nvPr/>
-      </p:nvGrpSpPr>
-      <p:grpSpPr>
-        <a:xfrm>
-          <a:off x="0" y="0"/>
-          <a:ext cx="0" cy="0"/>
-          <a:chOff x="0" y="0"/>
-          <a:chExt cx="0" cy="0"/>
-        </a:xfrm>
-      </p:grpSpPr>
-    </p:spTree>
-    <p:extLst>
-      <p:ext uri="{BB962C8B-B14F-4D97-AF65-F5344CB8AC3E}">
-        <p14:creationId xmlns:p14="http://schemas.microsoft.com/office/powerpoint/2010/main" val="83452600"/>
       </p:ext>
     </p:extLst>
   </p:cSld>
@@ -2889,7 +2982,7 @@
           <a:p>
             <a:fld id="{85C97CF4-16F1-4F22-B78C-E10587E26689}" type="datetimeFigureOut">
               <a:rPr lang="en-GB" smtClean="0"/>
-              <a:t>16/10/2018</a:t>
+              <a:t>17/10/2018</a:t>
             </a:fld>
             <a:endParaRPr lang="en-GB" dirty="0"/>
           </a:p>
@@ -3081,7 +3174,7 @@
           <a:p>
             <a:fld id="{85C97CF4-16F1-4F22-B78C-E10587E26689}" type="datetimeFigureOut">
               <a:rPr lang="en-GB" smtClean="0"/>
-              <a:t>16/10/2018</a:t>
+              <a:t>17/10/2018</a:t>
             </a:fld>
             <a:endParaRPr lang="en-GB" dirty="0"/>
           </a:p>
@@ -5726,6 +5819,76 @@
           <a:chExt cx="0" cy="0"/>
         </a:xfrm>
       </p:grpSpPr>
+      <p:pic>
+        <p:nvPicPr>
+          <p:cNvPr id="4" name="Picture 3">
+            <a:extLst>
+              <a:ext uri="{FF2B5EF4-FFF2-40B4-BE49-F238E27FC236}">
+                <a16:creationId xmlns:a16="http://schemas.microsoft.com/office/drawing/2014/main" id="{FEFDD9F5-4711-40FF-BB77-0652DB1BF175}"/>
+              </a:ext>
+            </a:extLst>
+          </p:cNvPr>
+          <p:cNvPicPr>
+            <a:picLocks noChangeAspect="1"/>
+          </p:cNvPicPr>
+          <p:nvPr/>
+        </p:nvPicPr>
+        <p:blipFill>
+          <a:blip r:embed="rId4"/>
+          <a:stretch>
+            <a:fillRect/>
+          </a:stretch>
+        </p:blipFill>
+        <p:spPr>
+          <a:xfrm>
+            <a:off x="1638725" y="0"/>
+            <a:ext cx="8914550" cy="6858000"/>
+          </a:xfrm>
+          <a:prstGeom prst="rect">
+            <a:avLst/>
+          </a:prstGeom>
+        </p:spPr>
+      </p:pic>
+    </p:spTree>
+    <p:extLst>
+      <p:ext uri="{BB962C8B-B14F-4D97-AF65-F5344CB8AC3E}">
+        <p14:creationId xmlns:p14="http://schemas.microsoft.com/office/powerpoint/2010/main" val="3395975291"/>
+      </p:ext>
+    </p:extLst>
+  </p:cSld>
+  <p:clrMapOvr>
+    <a:overrideClrMapping bg1="lt1" tx1="dk1" bg2="lt2" tx2="dk2" accent1="accent1" accent2="accent2" accent3="accent3" accent4="accent4" accent5="accent5" accent6="accent6" hlink="hlink" folHlink="folHlink"/>
+  </p:clrMapOvr>
+</p:sld>
+</file>
+
+<file path=ppt/slides/slide11.xml><?xml version="1.0" encoding="utf-8"?>
+<p:sld xmlns:a="http://schemas.openxmlformats.org/drawingml/2006/main" xmlns:r="http://schemas.openxmlformats.org/officeDocument/2006/relationships" xmlns:p="http://schemas.openxmlformats.org/presentationml/2006/main">
+  <p:cSld>
+    <p:bg>
+      <p:bgPr>
+        <a:solidFill>
+          <a:schemeClr val="bg1">
+            <a:lumMod val="95000"/>
+          </a:schemeClr>
+        </a:solidFill>
+        <a:effectLst/>
+      </p:bgPr>
+    </p:bg>
+    <p:spTree>
+      <p:nvGrpSpPr>
+        <p:cNvPr id="1" name=""/>
+        <p:cNvGrpSpPr/>
+        <p:nvPr/>
+      </p:nvGrpSpPr>
+      <p:grpSpPr>
+        <a:xfrm>
+          <a:off x="0" y="0"/>
+          <a:ext cx="0" cy="0"/>
+          <a:chOff x="0" y="0"/>
+          <a:chExt cx="0" cy="0"/>
+        </a:xfrm>
+      </p:grpSpPr>
       <p:sp>
         <p:nvSpPr>
           <p:cNvPr id="2" name="TextBox 1"/>
@@ -5841,7 +6004,7 @@
 </p:sld>
 </file>
 
-<file path=ppt/slides/slide11.xml><?xml version="1.0" encoding="utf-8"?>
+<file path=ppt/slides/slide12.xml><?xml version="1.0" encoding="utf-8"?>
 <p:sld xmlns:a="http://schemas.openxmlformats.org/drawingml/2006/main" xmlns:r="http://schemas.openxmlformats.org/officeDocument/2006/relationships" xmlns:p="http://schemas.openxmlformats.org/presentationml/2006/main">
   <p:cSld>
     <p:bg>
@@ -5940,7 +6103,7 @@
 </p:sld>
 </file>
 
-<file path=ppt/slides/slide12.xml><?xml version="1.0" encoding="utf-8"?>
+<file path=ppt/slides/slide13.xml><?xml version="1.0" encoding="utf-8"?>
 <p:sld xmlns:a="http://schemas.openxmlformats.org/drawingml/2006/main" xmlns:r="http://schemas.openxmlformats.org/officeDocument/2006/relationships" xmlns:p="http://schemas.openxmlformats.org/presentationml/2006/main">
   <p:cSld>
     <p:bg>
@@ -6443,7 +6606,7 @@
 </p:sld>
 </file>
 
-<file path=ppt/slides/slide13.xml><?xml version="1.0" encoding="utf-8"?>
+<file path=ppt/slides/slide14.xml><?xml version="1.0" encoding="utf-8"?>
 <p:sld xmlns:a="http://schemas.openxmlformats.org/drawingml/2006/main" xmlns:r="http://schemas.openxmlformats.org/officeDocument/2006/relationships" xmlns:p="http://schemas.openxmlformats.org/presentationml/2006/main">
   <p:cSld>
     <p:bg>
@@ -6524,7 +6687,7 @@
                 <a:ea typeface="+mn-ea"/>
                 <a:cs typeface="Segoe UI Light" panose="020B0502040204020203" pitchFamily="34" charset="0"/>
               </a:rPr>
-              <a:t>Docker Demo</a:t>
+              <a:t>Docker Demo/Lab</a:t>
             </a:r>
           </a:p>
           <a:p>
@@ -6546,7 +6709,7 @@
               <a:defRPr/>
             </a:pPr>
             <a:r>
-              <a:rPr lang="en-GB" sz="4400" b="1">
+              <a:rPr lang="en-GB" sz="4400" b="1" dirty="0">
                 <a:solidFill>
                   <a:srgbClr val="000000"/>
                 </a:solidFill>
@@ -6582,6 +6745,340 @@
   <p:clrMapOvr>
     <a:overrideClrMapping bg1="lt1" tx1="dk1" bg2="lt2" tx2="dk2" accent1="accent1" accent2="accent2" accent3="accent3" accent4="accent4" accent5="accent5" accent6="accent6" hlink="hlink" folHlink="folHlink"/>
   </p:clrMapOvr>
+</p:sld>
+</file>
+
+<file path=ppt/slides/slide15.xml><?xml version="1.0" encoding="utf-8"?>
+<p:sld xmlns:a="http://schemas.openxmlformats.org/drawingml/2006/main" xmlns:r="http://schemas.openxmlformats.org/officeDocument/2006/relationships" xmlns:p="http://schemas.openxmlformats.org/presentationml/2006/main">
+  <p:cSld>
+    <p:bg>
+      <p:bgPr>
+        <a:solidFill>
+          <a:srgbClr val="0070C0"/>
+        </a:solidFill>
+        <a:effectLst/>
+      </p:bgPr>
+    </p:bg>
+    <p:spTree>
+      <p:nvGrpSpPr>
+        <p:cNvPr id="1" name=""/>
+        <p:cNvGrpSpPr/>
+        <p:nvPr/>
+      </p:nvGrpSpPr>
+      <p:grpSpPr>
+        <a:xfrm>
+          <a:off x="0" y="0"/>
+          <a:ext cx="0" cy="0"/>
+          <a:chOff x="0" y="0"/>
+          <a:chExt cx="0" cy="0"/>
+        </a:xfrm>
+      </p:grpSpPr>
+      <p:sp>
+        <p:nvSpPr>
+          <p:cNvPr id="2" name="TextBox 1"/>
+          <p:cNvSpPr txBox="1"/>
+          <p:nvPr/>
+        </p:nvSpPr>
+        <p:spPr>
+          <a:xfrm>
+            <a:off x="261870" y="2688970"/>
+            <a:ext cx="11668259" cy="769441"/>
+          </a:xfrm>
+          <a:prstGeom prst="rect">
+            <a:avLst/>
+          </a:prstGeom>
+          <a:noFill/>
+        </p:spPr>
+        <p:txBody>
+          <a:bodyPr wrap="square" rtlCol="0">
+            <a:spAutoFit/>
+          </a:bodyPr>
+          <a:lstStyle/>
+          <a:p>
+            <a:pPr lvl="0" algn="ctr" defTabSz="1219170">
+              <a:defRPr/>
+            </a:pPr>
+            <a:r>
+              <a:rPr lang="en-GB" sz="4400" b="1" dirty="0">
+                <a:solidFill>
+                  <a:srgbClr val="FFFFFF"/>
+                </a:solidFill>
+                <a:latin typeface="Segoe UI Light" panose="020B0502040204020203" pitchFamily="34" charset="0"/>
+                <a:cs typeface="Segoe UI Light" panose="020B0502040204020203" pitchFamily="34" charset="0"/>
+              </a:rPr>
+              <a:t>Lab 5 - Deploying a container in to Docker</a:t>
+            </a:r>
+            <a:endParaRPr kumimoji="0" lang="en-GB" sz="4400" b="1" i="0" u="none" strike="noStrike" kern="1200" cap="none" spc="0" normalizeH="0" baseline="0" noProof="0" dirty="0">
+              <a:ln>
+                <a:noFill/>
+              </a:ln>
+              <a:solidFill>
+                <a:srgbClr val="FFFFFF"/>
+              </a:solidFill>
+              <a:effectLst/>
+              <a:uLnTx/>
+              <a:uFillTx/>
+              <a:latin typeface="Segoe UI Light" panose="020B0502040204020203" pitchFamily="34" charset="0"/>
+              <a:ea typeface="+mn-ea"/>
+              <a:cs typeface="Segoe UI Light" panose="020B0502040204020203" pitchFamily="34" charset="0"/>
+            </a:endParaRPr>
+          </a:p>
+        </p:txBody>
+      </p:sp>
+      <p:sp>
+        <p:nvSpPr>
+          <p:cNvPr id="3" name="TextBox 2">
+            <a:extLst>
+              <a:ext uri="{FF2B5EF4-FFF2-40B4-BE49-F238E27FC236}">
+                <a16:creationId xmlns:a16="http://schemas.microsoft.com/office/drawing/2014/main" id="{18A071BE-A8C6-4F9A-9ED9-C55700FD88FF}"/>
+              </a:ext>
+            </a:extLst>
+          </p:cNvPr>
+          <p:cNvSpPr txBox="1"/>
+          <p:nvPr/>
+        </p:nvSpPr>
+        <p:spPr>
+          <a:xfrm>
+            <a:off x="-110169" y="6041770"/>
+            <a:ext cx="3048698" cy="769441"/>
+          </a:xfrm>
+          <a:prstGeom prst="rect">
+            <a:avLst/>
+          </a:prstGeom>
+          <a:noFill/>
+        </p:spPr>
+        <p:txBody>
+          <a:bodyPr wrap="square" rtlCol="0">
+            <a:spAutoFit/>
+          </a:bodyPr>
+          <a:lstStyle/>
+          <a:p>
+            <a:pPr marL="0" marR="0" lvl="0" indent="0" algn="ctr" defTabSz="1219170" rtl="0" eaLnBrk="1" fontAlgn="auto" latinLnBrk="0" hangingPunct="1">
+              <a:lnSpc>
+                <a:spcPct val="100000"/>
+              </a:lnSpc>
+              <a:spcBef>
+                <a:spcPts val="0"/>
+              </a:spcBef>
+              <a:spcAft>
+                <a:spcPts val="0"/>
+              </a:spcAft>
+              <a:buClrTx/>
+              <a:buSzTx/>
+              <a:buFontTx/>
+              <a:buNone/>
+              <a:tabLst/>
+              <a:defRPr/>
+            </a:pPr>
+            <a:r>
+              <a:rPr kumimoji="0" lang="en-GB" sz="4400" b="1" i="0" u="none" strike="noStrike" kern="1200" cap="none" spc="0" normalizeH="0" baseline="0" noProof="0" dirty="0">
+                <a:ln>
+                  <a:noFill/>
+                </a:ln>
+                <a:solidFill>
+                  <a:srgbClr val="FFFFFF"/>
+                </a:solidFill>
+                <a:effectLst/>
+                <a:uLnTx/>
+                <a:uFillTx/>
+                <a:latin typeface="Segoe UI Light" panose="020B0502040204020203" pitchFamily="34" charset="0"/>
+                <a:ea typeface="+mn-ea"/>
+                <a:cs typeface="Segoe UI Light" panose="020B0502040204020203" pitchFamily="34" charset="0"/>
+              </a:rPr>
+              <a:t>15 minutes</a:t>
+            </a:r>
+          </a:p>
+        </p:txBody>
+      </p:sp>
+    </p:spTree>
+    <p:extLst>
+      <p:ext uri="{BB962C8B-B14F-4D97-AF65-F5344CB8AC3E}">
+        <p14:creationId xmlns:p14="http://schemas.microsoft.com/office/powerpoint/2010/main" val="2524928465"/>
+      </p:ext>
+    </p:extLst>
+  </p:cSld>
+  <p:clrMapOvr>
+    <a:overrideClrMapping bg1="lt1" tx1="dk1" bg2="lt2" tx2="dk2" accent1="accent1" accent2="accent2" accent3="accent3" accent4="accent4" accent5="accent5" accent6="accent6" hlink="hlink" folHlink="folHlink"/>
+  </p:clrMapOvr>
+  <mc:AlternateContent xmlns:mc="http://schemas.openxmlformats.org/markup-compatibility/2006" xmlns:p159="http://schemas.microsoft.com/office/powerpoint/2015/09/main">
+    <mc:Choice Requires="p159">
+      <p:transition xmlns:p14="http://schemas.microsoft.com/office/powerpoint/2010/main" spd="slow" p14:dur="2000">
+        <p159:morph option="byObject"/>
+      </p:transition>
+    </mc:Choice>
+    <mc:Fallback xmlns="">
+      <p:transition spd="slow">
+        <p:fade/>
+      </p:transition>
+    </mc:Fallback>
+  </mc:AlternateContent>
+</p:sld>
+</file>
+
+<file path=ppt/slides/slide16.xml><?xml version="1.0" encoding="utf-8"?>
+<p:sld xmlns:a="http://schemas.openxmlformats.org/drawingml/2006/main" xmlns:r="http://schemas.openxmlformats.org/officeDocument/2006/relationships" xmlns:p="http://schemas.openxmlformats.org/presentationml/2006/main">
+  <p:cSld>
+    <p:bg>
+      <p:bgPr>
+        <a:solidFill>
+          <a:srgbClr val="0070C0"/>
+        </a:solidFill>
+        <a:effectLst/>
+      </p:bgPr>
+    </p:bg>
+    <p:spTree>
+      <p:nvGrpSpPr>
+        <p:cNvPr id="1" name=""/>
+        <p:cNvGrpSpPr/>
+        <p:nvPr/>
+      </p:nvGrpSpPr>
+      <p:grpSpPr>
+        <a:xfrm>
+          <a:off x="0" y="0"/>
+          <a:ext cx="0" cy="0"/>
+          <a:chOff x="0" y="0"/>
+          <a:chExt cx="0" cy="0"/>
+        </a:xfrm>
+      </p:grpSpPr>
+      <p:sp>
+        <p:nvSpPr>
+          <p:cNvPr id="2" name="TextBox 1"/>
+          <p:cNvSpPr txBox="1"/>
+          <p:nvPr/>
+        </p:nvSpPr>
+        <p:spPr>
+          <a:xfrm>
+            <a:off x="261870" y="2688970"/>
+            <a:ext cx="11668259" cy="769441"/>
+          </a:xfrm>
+          <a:prstGeom prst="rect">
+            <a:avLst/>
+          </a:prstGeom>
+          <a:noFill/>
+        </p:spPr>
+        <p:txBody>
+          <a:bodyPr wrap="square" rtlCol="0">
+            <a:spAutoFit/>
+          </a:bodyPr>
+          <a:lstStyle/>
+          <a:p>
+            <a:pPr lvl="0" algn="ctr" defTabSz="1219170">
+              <a:defRPr/>
+            </a:pPr>
+            <a:r>
+              <a:rPr lang="en-GB" sz="4400" b="1" dirty="0">
+                <a:solidFill>
+                  <a:srgbClr val="FFFFFF"/>
+                </a:solidFill>
+                <a:latin typeface="Segoe UI Light" panose="020B0502040204020203" pitchFamily="34" charset="0"/>
+                <a:cs typeface="Segoe UI Light" panose="020B0502040204020203" pitchFamily="34" charset="0"/>
+              </a:rPr>
+              <a:t>Lab 06 - Deploying your model</a:t>
+            </a:r>
+            <a:endParaRPr kumimoji="0" lang="en-GB" sz="4400" b="1" i="0" u="none" strike="noStrike" kern="1200" cap="none" spc="0" normalizeH="0" baseline="0" noProof="0" dirty="0">
+              <a:ln>
+                <a:noFill/>
+              </a:ln>
+              <a:solidFill>
+                <a:srgbClr val="FFFFFF"/>
+              </a:solidFill>
+              <a:effectLst/>
+              <a:uLnTx/>
+              <a:uFillTx/>
+              <a:latin typeface="Segoe UI Light" panose="020B0502040204020203" pitchFamily="34" charset="0"/>
+              <a:ea typeface="+mn-ea"/>
+              <a:cs typeface="Segoe UI Light" panose="020B0502040204020203" pitchFamily="34" charset="0"/>
+            </a:endParaRPr>
+          </a:p>
+        </p:txBody>
+      </p:sp>
+      <p:sp>
+        <p:nvSpPr>
+          <p:cNvPr id="3" name="TextBox 2">
+            <a:extLst>
+              <a:ext uri="{FF2B5EF4-FFF2-40B4-BE49-F238E27FC236}">
+                <a16:creationId xmlns:a16="http://schemas.microsoft.com/office/drawing/2014/main" id="{18A071BE-A8C6-4F9A-9ED9-C55700FD88FF}"/>
+              </a:ext>
+            </a:extLst>
+          </p:cNvPr>
+          <p:cNvSpPr txBox="1"/>
+          <p:nvPr/>
+        </p:nvSpPr>
+        <p:spPr>
+          <a:xfrm>
+            <a:off x="-110169" y="6041770"/>
+            <a:ext cx="3048698" cy="769441"/>
+          </a:xfrm>
+          <a:prstGeom prst="rect">
+            <a:avLst/>
+          </a:prstGeom>
+          <a:noFill/>
+        </p:spPr>
+        <p:txBody>
+          <a:bodyPr wrap="square" rtlCol="0">
+            <a:spAutoFit/>
+          </a:bodyPr>
+          <a:lstStyle/>
+          <a:p>
+            <a:pPr marL="0" marR="0" lvl="0" indent="0" algn="ctr" defTabSz="1219170" rtl="0" eaLnBrk="1" fontAlgn="auto" latinLnBrk="0" hangingPunct="1">
+              <a:lnSpc>
+                <a:spcPct val="100000"/>
+              </a:lnSpc>
+              <a:spcBef>
+                <a:spcPts val="0"/>
+              </a:spcBef>
+              <a:spcAft>
+                <a:spcPts val="0"/>
+              </a:spcAft>
+              <a:buClrTx/>
+              <a:buSzTx/>
+              <a:buFontTx/>
+              <a:buNone/>
+              <a:tabLst/>
+              <a:defRPr/>
+            </a:pPr>
+            <a:r>
+              <a:rPr kumimoji="0" lang="en-GB" sz="4400" b="1" i="0" u="none" strike="noStrike" kern="1200" cap="none" spc="0" normalizeH="0" baseline="0" noProof="0" dirty="0">
+                <a:ln>
+                  <a:noFill/>
+                </a:ln>
+                <a:solidFill>
+                  <a:srgbClr val="FFFFFF"/>
+                </a:solidFill>
+                <a:effectLst/>
+                <a:uLnTx/>
+                <a:uFillTx/>
+                <a:latin typeface="Segoe UI Light" panose="020B0502040204020203" pitchFamily="34" charset="0"/>
+                <a:ea typeface="+mn-ea"/>
+                <a:cs typeface="Segoe UI Light" panose="020B0502040204020203" pitchFamily="34" charset="0"/>
+              </a:rPr>
+              <a:t>15 minutes</a:t>
+            </a:r>
+          </a:p>
+        </p:txBody>
+      </p:sp>
+    </p:spTree>
+    <p:extLst>
+      <p:ext uri="{BB962C8B-B14F-4D97-AF65-F5344CB8AC3E}">
+        <p14:creationId xmlns:p14="http://schemas.microsoft.com/office/powerpoint/2010/main" val="3741770084"/>
+      </p:ext>
+    </p:extLst>
+  </p:cSld>
+  <p:clrMapOvr>
+    <a:overrideClrMapping bg1="lt1" tx1="dk1" bg2="lt2" tx2="dk2" accent1="accent1" accent2="accent2" accent3="accent3" accent4="accent4" accent5="accent5" accent6="accent6" hlink="hlink" folHlink="folHlink"/>
+  </p:clrMapOvr>
+  <mc:AlternateContent xmlns:mc="http://schemas.openxmlformats.org/markup-compatibility/2006" xmlns:p159="http://schemas.microsoft.com/office/powerpoint/2015/09/main">
+    <mc:Choice Requires="p159">
+      <p:transition xmlns:p14="http://schemas.microsoft.com/office/powerpoint/2010/main" spd="slow" p14:dur="2000">
+        <p159:morph option="byObject"/>
+      </p:transition>
+    </mc:Choice>
+    <mc:Fallback xmlns="">
+      <p:transition spd="slow">
+        <p:fade/>
+      </p:transition>
+    </mc:Fallback>
+  </mc:AlternateContent>
 </p:sld>
 </file>
 
@@ -11795,9 +12292,7 @@
     <p:bg>
       <p:bgPr>
         <a:solidFill>
-          <a:schemeClr val="bg1">
-            <a:lumMod val="95000"/>
-          </a:schemeClr>
+          <a:srgbClr val="0070C0"/>
         </a:solidFill>
         <a:effectLst/>
       </p:bgPr>
@@ -11838,6 +12333,64 @@
           </a:bodyPr>
           <a:lstStyle/>
           <a:p>
+            <a:pPr lvl="0" algn="ctr" defTabSz="1219170">
+              <a:defRPr/>
+            </a:pPr>
+            <a:r>
+              <a:rPr lang="en-GB" sz="4400" b="1" dirty="0">
+                <a:solidFill>
+                  <a:srgbClr val="FFFFFF"/>
+                </a:solidFill>
+                <a:latin typeface="Segoe UI Light" panose="020B0502040204020203" pitchFamily="34" charset="0"/>
+                <a:cs typeface="Segoe UI Light" panose="020B0502040204020203" pitchFamily="34" charset="0"/>
+              </a:rPr>
+              <a:t>Lab 04 - Hello World! in Docker</a:t>
+            </a:r>
+            <a:endParaRPr kumimoji="0" lang="en-GB" sz="4400" b="1" i="0" u="none" strike="noStrike" kern="1200" cap="none" spc="0" normalizeH="0" baseline="0" noProof="0" dirty="0">
+              <a:ln>
+                <a:noFill/>
+              </a:ln>
+              <a:solidFill>
+                <a:srgbClr val="FFFFFF"/>
+              </a:solidFill>
+              <a:effectLst/>
+              <a:uLnTx/>
+              <a:uFillTx/>
+              <a:latin typeface="Segoe UI Light" panose="020B0502040204020203" pitchFamily="34" charset="0"/>
+              <a:ea typeface="+mn-ea"/>
+              <a:cs typeface="Segoe UI Light" panose="020B0502040204020203" pitchFamily="34" charset="0"/>
+            </a:endParaRPr>
+          </a:p>
+        </p:txBody>
+      </p:sp>
+      <p:sp>
+        <p:nvSpPr>
+          <p:cNvPr id="3" name="TextBox 2">
+            <a:extLst>
+              <a:ext uri="{FF2B5EF4-FFF2-40B4-BE49-F238E27FC236}">
+                <a16:creationId xmlns:a16="http://schemas.microsoft.com/office/drawing/2014/main" id="{18A071BE-A8C6-4F9A-9ED9-C55700FD88FF}"/>
+              </a:ext>
+            </a:extLst>
+          </p:cNvPr>
+          <p:cNvSpPr txBox="1"/>
+          <p:nvPr/>
+        </p:nvSpPr>
+        <p:spPr>
+          <a:xfrm>
+            <a:off x="-110169" y="6041770"/>
+            <a:ext cx="3048698" cy="769441"/>
+          </a:xfrm>
+          <a:prstGeom prst="rect">
+            <a:avLst/>
+          </a:prstGeom>
+          <a:noFill/>
+        </p:spPr>
+        <p:txBody>
+          <a:bodyPr wrap="square" rtlCol="0">
+            <a:spAutoFit/>
+          </a:bodyPr>
+          <a:lstStyle/>
+          <a:p>
             <a:pPr marL="0" marR="0" lvl="0" indent="0" algn="ctr" defTabSz="1219170" rtl="0" eaLnBrk="1" fontAlgn="auto" latinLnBrk="0" hangingPunct="1">
               <a:lnSpc>
                 <a:spcPct val="100000"/>
@@ -11861,7 +12414,7 @@
                   <a:noFill/>
                 </a:ln>
                 <a:solidFill>
-                  <a:srgbClr val="000000"/>
+                  <a:srgbClr val="FFFFFF"/>
                 </a:solidFill>
                 <a:effectLst/>
                 <a:uLnTx/>
@@ -11870,7 +12423,7 @@
                 <a:ea typeface="+mn-ea"/>
                 <a:cs typeface="Segoe UI Light" panose="020B0502040204020203" pitchFamily="34" charset="0"/>
               </a:rPr>
-              <a:t>Docker Container registries </a:t>
+              <a:t>10 minutes</a:t>
             </a:r>
           </a:p>
         </p:txBody>
@@ -11878,13 +12431,25 @@
     </p:spTree>
     <p:extLst>
       <p:ext uri="{BB962C8B-B14F-4D97-AF65-F5344CB8AC3E}">
-        <p14:creationId xmlns:p14="http://schemas.microsoft.com/office/powerpoint/2010/main" val="1316089649"/>
+        <p14:creationId xmlns:p14="http://schemas.microsoft.com/office/powerpoint/2010/main" val="1964504817"/>
       </p:ext>
     </p:extLst>
   </p:cSld>
   <p:clrMapOvr>
     <a:overrideClrMapping bg1="lt1" tx1="dk1" bg2="lt2" tx2="dk2" accent1="accent1" accent2="accent2" accent3="accent3" accent4="accent4" accent5="accent5" accent6="accent6" hlink="hlink" folHlink="folHlink"/>
   </p:clrMapOvr>
+  <mc:AlternateContent xmlns:mc="http://schemas.openxmlformats.org/markup-compatibility/2006" xmlns:p159="http://schemas.microsoft.com/office/powerpoint/2015/09/main">
+    <mc:Choice Requires="p159">
+      <p:transition xmlns:p14="http://schemas.microsoft.com/office/powerpoint/2010/main" spd="slow" p14:dur="2000">
+        <p159:morph option="byObject"/>
+      </p:transition>
+    </mc:Choice>
+    <mc:Fallback xmlns="">
+      <p:transition spd="slow">
+        <p:fade/>
+      </p:transition>
+    </mc:Fallback>
+  </mc:AlternateContent>
 </p:sld>
 </file>
 
@@ -11969,6 +12534,105 @@
                 <a:ea typeface="+mn-ea"/>
                 <a:cs typeface="Segoe UI Light" panose="020B0502040204020203" pitchFamily="34" charset="0"/>
               </a:rPr>
+              <a:t>Docker Container registries </a:t>
+            </a:r>
+          </a:p>
+        </p:txBody>
+      </p:sp>
+    </p:spTree>
+    <p:extLst>
+      <p:ext uri="{BB962C8B-B14F-4D97-AF65-F5344CB8AC3E}">
+        <p14:creationId xmlns:p14="http://schemas.microsoft.com/office/powerpoint/2010/main" val="1316089649"/>
+      </p:ext>
+    </p:extLst>
+  </p:cSld>
+  <p:clrMapOvr>
+    <a:overrideClrMapping bg1="lt1" tx1="dk1" bg2="lt2" tx2="dk2" accent1="accent1" accent2="accent2" accent3="accent3" accent4="accent4" accent5="accent5" accent6="accent6" hlink="hlink" folHlink="folHlink"/>
+  </p:clrMapOvr>
+</p:sld>
+</file>
+
+<file path=ppt/slides/slide8.xml><?xml version="1.0" encoding="utf-8"?>
+<p:sld xmlns:a="http://schemas.openxmlformats.org/drawingml/2006/main" xmlns:r="http://schemas.openxmlformats.org/officeDocument/2006/relationships" xmlns:p="http://schemas.openxmlformats.org/presentationml/2006/main">
+  <p:cSld>
+    <p:bg>
+      <p:bgPr>
+        <a:solidFill>
+          <a:schemeClr val="bg1">
+            <a:lumMod val="95000"/>
+          </a:schemeClr>
+        </a:solidFill>
+        <a:effectLst/>
+      </p:bgPr>
+    </p:bg>
+    <p:spTree>
+      <p:nvGrpSpPr>
+        <p:cNvPr id="1" name=""/>
+        <p:cNvGrpSpPr/>
+        <p:nvPr/>
+      </p:nvGrpSpPr>
+      <p:grpSpPr>
+        <a:xfrm>
+          <a:off x="0" y="0"/>
+          <a:ext cx="0" cy="0"/>
+          <a:chOff x="0" y="0"/>
+          <a:chExt cx="0" cy="0"/>
+        </a:xfrm>
+      </p:grpSpPr>
+      <p:sp>
+        <p:nvSpPr>
+          <p:cNvPr id="2" name="TextBox 1"/>
+          <p:cNvSpPr txBox="1"/>
+          <p:nvPr/>
+        </p:nvSpPr>
+        <p:spPr>
+          <a:xfrm>
+            <a:off x="261870" y="2688970"/>
+            <a:ext cx="11668259" cy="769441"/>
+          </a:xfrm>
+          <a:prstGeom prst="rect">
+            <a:avLst/>
+          </a:prstGeom>
+          <a:noFill/>
+        </p:spPr>
+        <p:txBody>
+          <a:bodyPr wrap="square" rtlCol="0">
+            <a:spAutoFit/>
+          </a:bodyPr>
+          <a:lstStyle/>
+          <a:p>
+            <a:pPr marL="0" marR="0" lvl="0" indent="0" algn="ctr" defTabSz="1219170" rtl="0" eaLnBrk="1" fontAlgn="auto" latinLnBrk="0" hangingPunct="1">
+              <a:lnSpc>
+                <a:spcPct val="100000"/>
+              </a:lnSpc>
+              <a:spcBef>
+                <a:spcPts val="0"/>
+              </a:spcBef>
+              <a:spcAft>
+                <a:spcPts val="0"/>
+              </a:spcAft>
+              <a:buClrTx/>
+              <a:buSzTx/>
+              <a:buFontTx/>
+              <a:buNone/>
+              <a:tabLst/>
+              <a:defRPr/>
+            </a:pPr>
+            <a:r>
+              <a:rPr kumimoji="0" lang="en-GB" sz="4400" b="1" i="0" u="none" strike="noStrike" kern="1200" cap="none" spc="0" normalizeH="0" baseline="0" noProof="0" dirty="0">
+                <a:ln>
+                  <a:noFill/>
+                </a:ln>
+                <a:solidFill>
+                  <a:srgbClr val="000000"/>
+                </a:solidFill>
+                <a:effectLst/>
+                <a:uLnTx/>
+                <a:uFillTx/>
+                <a:latin typeface="Segoe UI Light" panose="020B0502040204020203" pitchFamily="34" charset="0"/>
+                <a:ea typeface="+mn-ea"/>
+                <a:cs typeface="Segoe UI Light" panose="020B0502040204020203" pitchFamily="34" charset="0"/>
+              </a:rPr>
               <a:t>Over to </a:t>
             </a:r>
             <a:r>
@@ -12051,7 +12715,7 @@
 </p:sld>
 </file>
 
-<file path=ppt/slides/slide8.xml><?xml version="1.0" encoding="utf-8"?>
+<file path=ppt/slides/slide9.xml><?xml version="1.0" encoding="utf-8"?>
 <p:sld xmlns:a="http://schemas.openxmlformats.org/drawingml/2006/main" xmlns:r="http://schemas.openxmlformats.org/officeDocument/2006/relationships" xmlns:p="http://schemas.openxmlformats.org/presentationml/2006/main">
   <p:cSld>
     <p:bg>
@@ -12561,76 +13225,6 @@
     <p:extLst>
       <p:ext uri="{BB962C8B-B14F-4D97-AF65-F5344CB8AC3E}">
         <p14:creationId xmlns:p14="http://schemas.microsoft.com/office/powerpoint/2010/main" val="2384611594"/>
-      </p:ext>
-    </p:extLst>
-  </p:cSld>
-  <p:clrMapOvr>
-    <a:overrideClrMapping bg1="lt1" tx1="dk1" bg2="lt2" tx2="dk2" accent1="accent1" accent2="accent2" accent3="accent3" accent4="accent4" accent5="accent5" accent6="accent6" hlink="hlink" folHlink="folHlink"/>
-  </p:clrMapOvr>
-</p:sld>
-</file>
-
-<file path=ppt/slides/slide9.xml><?xml version="1.0" encoding="utf-8"?>
-<p:sld xmlns:a="http://schemas.openxmlformats.org/drawingml/2006/main" xmlns:r="http://schemas.openxmlformats.org/officeDocument/2006/relationships" xmlns:p="http://schemas.openxmlformats.org/presentationml/2006/main">
-  <p:cSld>
-    <p:bg>
-      <p:bgPr>
-        <a:solidFill>
-          <a:schemeClr val="bg1">
-            <a:lumMod val="95000"/>
-          </a:schemeClr>
-        </a:solidFill>
-        <a:effectLst/>
-      </p:bgPr>
-    </p:bg>
-    <p:spTree>
-      <p:nvGrpSpPr>
-        <p:cNvPr id="1" name=""/>
-        <p:cNvGrpSpPr/>
-        <p:nvPr/>
-      </p:nvGrpSpPr>
-      <p:grpSpPr>
-        <a:xfrm>
-          <a:off x="0" y="0"/>
-          <a:ext cx="0" cy="0"/>
-          <a:chOff x="0" y="0"/>
-          <a:chExt cx="0" cy="0"/>
-        </a:xfrm>
-      </p:grpSpPr>
-      <p:pic>
-        <p:nvPicPr>
-          <p:cNvPr id="4" name="Picture 3">
-            <a:extLst>
-              <a:ext uri="{FF2B5EF4-FFF2-40B4-BE49-F238E27FC236}">
-                <a16:creationId xmlns:a16="http://schemas.microsoft.com/office/drawing/2014/main" id="{FEFDD9F5-4711-40FF-BB77-0652DB1BF175}"/>
-              </a:ext>
-            </a:extLst>
-          </p:cNvPr>
-          <p:cNvPicPr>
-            <a:picLocks noChangeAspect="1"/>
-          </p:cNvPicPr>
-          <p:nvPr/>
-        </p:nvPicPr>
-        <p:blipFill>
-          <a:blip r:embed="rId4"/>
-          <a:stretch>
-            <a:fillRect/>
-          </a:stretch>
-        </p:blipFill>
-        <p:spPr>
-          <a:xfrm>
-            <a:off x="1638725" y="0"/>
-            <a:ext cx="8914550" cy="6858000"/>
-          </a:xfrm>
-          <a:prstGeom prst="rect">
-            <a:avLst/>
-          </a:prstGeom>
-        </p:spPr>
-      </p:pic>
-    </p:spTree>
-    <p:extLst>
-      <p:ext uri="{BB962C8B-B14F-4D97-AF65-F5344CB8AC3E}">
-        <p14:creationId xmlns:p14="http://schemas.microsoft.com/office/powerpoint/2010/main" val="3395975291"/>
       </p:ext>
     </p:extLst>
   </p:cSld>
@@ -13907,6 +14501,135 @@
 </a:themeOverride>
 </file>
 
+<file path=ppt/theme/themeOverride13.xml><?xml version="1.0" encoding="utf-8"?>
+<a:themeOverride xmlns:a="http://schemas.openxmlformats.org/drawingml/2006/main">
+  <a:clrScheme name="STB 2013 colors">
+    <a:dk1>
+      <a:srgbClr val="000000"/>
+    </a:dk1>
+    <a:lt1>
+      <a:srgbClr val="FFFFFF"/>
+    </a:lt1>
+    <a:dk2>
+      <a:srgbClr val="505050"/>
+    </a:dk2>
+    <a:lt2>
+      <a:srgbClr val="D2D2D2"/>
+    </a:lt2>
+    <a:accent1>
+      <a:srgbClr val="0072C6"/>
+    </a:accent1>
+    <a:accent2>
+      <a:srgbClr val="008272"/>
+    </a:accent2>
+    <a:accent3>
+      <a:srgbClr val="68217A"/>
+    </a:accent3>
+    <a:accent4>
+      <a:srgbClr val="DC3C00"/>
+    </a:accent4>
+    <a:accent5>
+      <a:srgbClr val="FF8C00"/>
+    </a:accent5>
+    <a:accent6>
+      <a:srgbClr val="00BCF2"/>
+    </a:accent6>
+    <a:hlink>
+      <a:srgbClr val="505050"/>
+    </a:hlink>
+    <a:folHlink>
+      <a:srgbClr val="505050"/>
+    </a:folHlink>
+  </a:clrScheme>
+</a:themeOverride>
+</file>
+
+<file path=ppt/theme/themeOverride14.xml><?xml version="1.0" encoding="utf-8"?>
+<a:themeOverride xmlns:a="http://schemas.openxmlformats.org/drawingml/2006/main">
+  <a:clrScheme name="STB 2013 colors">
+    <a:dk1>
+      <a:srgbClr val="000000"/>
+    </a:dk1>
+    <a:lt1>
+      <a:srgbClr val="FFFFFF"/>
+    </a:lt1>
+    <a:dk2>
+      <a:srgbClr val="505050"/>
+    </a:dk2>
+    <a:lt2>
+      <a:srgbClr val="D2D2D2"/>
+    </a:lt2>
+    <a:accent1>
+      <a:srgbClr val="0072C6"/>
+    </a:accent1>
+    <a:accent2>
+      <a:srgbClr val="008272"/>
+    </a:accent2>
+    <a:accent3>
+      <a:srgbClr val="68217A"/>
+    </a:accent3>
+    <a:accent4>
+      <a:srgbClr val="DC3C00"/>
+    </a:accent4>
+    <a:accent5>
+      <a:srgbClr val="FF8C00"/>
+    </a:accent5>
+    <a:accent6>
+      <a:srgbClr val="00BCF2"/>
+    </a:accent6>
+    <a:hlink>
+      <a:srgbClr val="505050"/>
+    </a:hlink>
+    <a:folHlink>
+      <a:srgbClr val="505050"/>
+    </a:folHlink>
+  </a:clrScheme>
+</a:themeOverride>
+</file>
+
+<file path=ppt/theme/themeOverride15.xml><?xml version="1.0" encoding="utf-8"?>
+<a:themeOverride xmlns:a="http://schemas.openxmlformats.org/drawingml/2006/main">
+  <a:clrScheme name="STB 2013 colors">
+    <a:dk1>
+      <a:srgbClr val="000000"/>
+    </a:dk1>
+    <a:lt1>
+      <a:srgbClr val="FFFFFF"/>
+    </a:lt1>
+    <a:dk2>
+      <a:srgbClr val="505050"/>
+    </a:dk2>
+    <a:lt2>
+      <a:srgbClr val="D2D2D2"/>
+    </a:lt2>
+    <a:accent1>
+      <a:srgbClr val="0072C6"/>
+    </a:accent1>
+    <a:accent2>
+      <a:srgbClr val="008272"/>
+    </a:accent2>
+    <a:accent3>
+      <a:srgbClr val="68217A"/>
+    </a:accent3>
+    <a:accent4>
+      <a:srgbClr val="DC3C00"/>
+    </a:accent4>
+    <a:accent5>
+      <a:srgbClr val="FF8C00"/>
+    </a:accent5>
+    <a:accent6>
+      <a:srgbClr val="00BCF2"/>
+    </a:accent6>
+    <a:hlink>
+      <a:srgbClr val="505050"/>
+    </a:hlink>
+    <a:folHlink>
+      <a:srgbClr val="505050"/>
+    </a:folHlink>
+  </a:clrScheme>
+</a:themeOverride>
+</file>
+
 <file path=ppt/theme/themeOverride2.xml><?xml version="1.0" encoding="utf-8"?>
 <a:themeOverride xmlns:a="http://schemas.openxmlformats.org/drawingml/2006/main">
   <a:clrScheme name="STB 2013 colors">
